--- a/Presentation/Chamber V5.0.pptx
+++ b/Presentation/Chamber V5.0.pptx
@@ -106,6 +106,11 @@
       </a:defRPr>
     </a:lvl9pPr>
   </p:defaultTextStyle>
+  <p:extLst>
+    <p:ext uri="{EFAFB233-063F-42B5-8137-9DF3F51BA10A}">
+      <p15:sldGuideLst xmlns:p15="http://schemas.microsoft.com/office/powerpoint/2012/main"/>
+    </p:ext>
+  </p:extLst>
 </p:presentation>
 </file>
 
@@ -256,7 +261,7 @@
           <a:p>
             <a:fld id="{46DE31A8-D47A-4725-99F5-70CB069164E5}" type="datetimeFigureOut">
               <a:rPr lang="en-US" smtClean="0"/>
-              <a:t>1/31/2023</a:t>
+              <a:t>2/1/2023</a:t>
             </a:fld>
             <a:endParaRPr lang="en-US"/>
           </a:p>
@@ -454,7 +459,7 @@
           <a:p>
             <a:fld id="{46DE31A8-D47A-4725-99F5-70CB069164E5}" type="datetimeFigureOut">
               <a:rPr lang="en-US" smtClean="0"/>
-              <a:t>1/31/2023</a:t>
+              <a:t>2/1/2023</a:t>
             </a:fld>
             <a:endParaRPr lang="en-US"/>
           </a:p>
@@ -662,7 +667,7 @@
           <a:p>
             <a:fld id="{46DE31A8-D47A-4725-99F5-70CB069164E5}" type="datetimeFigureOut">
               <a:rPr lang="en-US" smtClean="0"/>
-              <a:t>1/31/2023</a:t>
+              <a:t>2/1/2023</a:t>
             </a:fld>
             <a:endParaRPr lang="en-US"/>
           </a:p>
@@ -860,7 +865,7 @@
           <a:p>
             <a:fld id="{46DE31A8-D47A-4725-99F5-70CB069164E5}" type="datetimeFigureOut">
               <a:rPr lang="en-US" smtClean="0"/>
-              <a:t>1/31/2023</a:t>
+              <a:t>2/1/2023</a:t>
             </a:fld>
             <a:endParaRPr lang="en-US"/>
           </a:p>
@@ -1135,7 +1140,7 @@
           <a:p>
             <a:fld id="{46DE31A8-D47A-4725-99F5-70CB069164E5}" type="datetimeFigureOut">
               <a:rPr lang="en-US" smtClean="0"/>
-              <a:t>1/31/2023</a:t>
+              <a:t>2/1/2023</a:t>
             </a:fld>
             <a:endParaRPr lang="en-US"/>
           </a:p>
@@ -1400,7 +1405,7 @@
           <a:p>
             <a:fld id="{46DE31A8-D47A-4725-99F5-70CB069164E5}" type="datetimeFigureOut">
               <a:rPr lang="en-US" smtClean="0"/>
-              <a:t>1/31/2023</a:t>
+              <a:t>2/1/2023</a:t>
             </a:fld>
             <a:endParaRPr lang="en-US"/>
           </a:p>
@@ -1812,7 +1817,7 @@
           <a:p>
             <a:fld id="{46DE31A8-D47A-4725-99F5-70CB069164E5}" type="datetimeFigureOut">
               <a:rPr lang="en-US" smtClean="0"/>
-              <a:t>1/31/2023</a:t>
+              <a:t>2/1/2023</a:t>
             </a:fld>
             <a:endParaRPr lang="en-US"/>
           </a:p>
@@ -1953,7 +1958,7 @@
           <a:p>
             <a:fld id="{46DE31A8-D47A-4725-99F5-70CB069164E5}" type="datetimeFigureOut">
               <a:rPr lang="en-US" smtClean="0"/>
-              <a:t>1/31/2023</a:t>
+              <a:t>2/1/2023</a:t>
             </a:fld>
             <a:endParaRPr lang="en-US"/>
           </a:p>
@@ -2066,7 +2071,7 @@
           <a:p>
             <a:fld id="{46DE31A8-D47A-4725-99F5-70CB069164E5}" type="datetimeFigureOut">
               <a:rPr lang="en-US" smtClean="0"/>
-              <a:t>1/31/2023</a:t>
+              <a:t>2/1/2023</a:t>
             </a:fld>
             <a:endParaRPr lang="en-US"/>
           </a:p>
@@ -2377,7 +2382,7 @@
           <a:p>
             <a:fld id="{46DE31A8-D47A-4725-99F5-70CB069164E5}" type="datetimeFigureOut">
               <a:rPr lang="en-US" smtClean="0"/>
-              <a:t>1/31/2023</a:t>
+              <a:t>2/1/2023</a:t>
             </a:fld>
             <a:endParaRPr lang="en-US"/>
           </a:p>
@@ -2665,7 +2670,7 @@
           <a:p>
             <a:fld id="{46DE31A8-D47A-4725-99F5-70CB069164E5}" type="datetimeFigureOut">
               <a:rPr lang="en-US" smtClean="0"/>
-              <a:t>1/31/2023</a:t>
+              <a:t>2/1/2023</a:t>
             </a:fld>
             <a:endParaRPr lang="en-US"/>
           </a:p>
@@ -2906,7 +2911,7 @@
           <a:p>
             <a:fld id="{46DE31A8-D47A-4725-99F5-70CB069164E5}" type="datetimeFigureOut">
               <a:rPr lang="en-US" smtClean="0"/>
-              <a:t>1/31/2023</a:t>
+              <a:t>2/1/2023</a:t>
             </a:fld>
             <a:endParaRPr lang="en-US"/>
           </a:p>
@@ -3460,13 +3465,20 @@
               <a:buAutoNum type="arabicPeriod"/>
             </a:pPr>
             <a:r>
+              <a:rPr lang="en-US" sz="2000" dirty="0"/>
+              <a:t>Heating element (20x80mm)</a:t>
+            </a:r>
+            <a:r>
               <a:rPr lang="en-US" dirty="0"/>
-              <a:t>Heating element: </a:t>
-            </a:r>
-            <a:r>
-              <a:rPr lang="en-US" sz="1050" dirty="0"/>
-              <a:t>https://www.amazon.com/Harissess-Flexible-Polyimide-Adhesive-25mmx50mm/dp/B09YLRMRF6/ref=sr_1_10?crid=KTCTHS6BJ1FM&amp;keywords=thin%2Bflexible%2Bheating%2Belement&amp;qid=1675189936&amp;sprefix=thin%2Bflexible%2Bheating%2Belement%2B%2Caps%2C73&amp;sr=8-10&amp;th=1</a:t>
-            </a:r>
+              <a:t>: </a:t>
+            </a:r>
+            <a:r>
+              <a:rPr lang="en-US" sz="1050" dirty="0">
+                <a:hlinkClick r:id="rId2"/>
+              </a:rPr>
+              <a:t>https://www.amazon.com/MODUODUO-Thermistor-Temperature-Thermostat-Black-12V/dp/B0B8MM4TXJ/ref=psdc_516188_t5_B09YLRMRF6?th=1</a:t>
+            </a:r>
+            <a:endParaRPr lang="en-US" sz="1050" dirty="0"/>
           </a:p>
           <a:p>
             <a:pPr marL="514350" indent="-514350">
@@ -3479,42 +3491,12 @@
             </a:r>
             <a:r>
               <a:rPr lang="en-US" sz="1200" dirty="0"/>
-              <a:t>https://www.mcmaster.com/9146T15/</a:t>
+              <a:t>https://www.mcmaster.com/9146T16/</a:t>
             </a:r>
             <a:endParaRPr lang="en-US" dirty="0"/>
           </a:p>
         </p:txBody>
       </p:sp>
-      <p:pic>
-        <p:nvPicPr>
-          <p:cNvPr id="5" name="Picture 4">
-            <a:extLst>
-              <a:ext uri="{FF2B5EF4-FFF2-40B4-BE49-F238E27FC236}">
-                <a16:creationId xmlns:a16="http://schemas.microsoft.com/office/drawing/2014/main" id="{AC4D48CD-91BF-F8B9-4385-7AB802E822D2}"/>
-              </a:ext>
-            </a:extLst>
-          </p:cNvPr>
-          <p:cNvPicPr>
-            <a:picLocks noChangeAspect="1"/>
-          </p:cNvPicPr>
-          <p:nvPr/>
-        </p:nvPicPr>
-        <p:blipFill>
-          <a:blip r:embed="rId2"/>
-          <a:stretch>
-            <a:fillRect/>
-          </a:stretch>
-        </p:blipFill>
-        <p:spPr>
-          <a:xfrm>
-            <a:off x="8138835" y="933420"/>
-            <a:ext cx="2390082" cy="1142429"/>
-          </a:xfrm>
-          <a:prstGeom prst="rect">
-            <a:avLst/>
-          </a:prstGeom>
-        </p:spPr>
-      </p:pic>
       <p:pic>
         <p:nvPicPr>
           <p:cNvPr id="7" name="Picture 6">
@@ -3539,6 +3521,36 @@
           <a:xfrm>
             <a:off x="8138835" y="2644144"/>
             <a:ext cx="2988955" cy="1237074"/>
+          </a:xfrm>
+          <a:prstGeom prst="rect">
+            <a:avLst/>
+          </a:prstGeom>
+        </p:spPr>
+      </p:pic>
+      <p:pic>
+        <p:nvPicPr>
+          <p:cNvPr id="6" name="Picture 5">
+            <a:extLst>
+              <a:ext uri="{FF2B5EF4-FFF2-40B4-BE49-F238E27FC236}">
+                <a16:creationId xmlns:a16="http://schemas.microsoft.com/office/drawing/2014/main" id="{FB7A9CDC-5370-6B8C-874F-913684877447}"/>
+              </a:ext>
+            </a:extLst>
+          </p:cNvPr>
+          <p:cNvPicPr>
+            <a:picLocks noChangeAspect="1"/>
+          </p:cNvPicPr>
+          <p:nvPr/>
+        </p:nvPicPr>
+        <p:blipFill>
+          <a:blip r:embed="rId4"/>
+          <a:stretch>
+            <a:fillRect/>
+          </a:stretch>
+        </p:blipFill>
+        <p:spPr>
+          <a:xfrm>
+            <a:off x="9164345" y="515144"/>
+            <a:ext cx="2076450" cy="2486025"/>
           </a:xfrm>
           <a:prstGeom prst="rect">
             <a:avLst/>

--- a/Presentation/Chamber V5.0.pptx
+++ b/Presentation/Chamber V5.0.pptx
@@ -7,7 +7,10 @@
   <p:sldIdLst>
     <p:sldId id="256" r:id="rId2"/>
     <p:sldId id="257" r:id="rId3"/>
-    <p:sldId id="258" r:id="rId4"/>
+    <p:sldId id="259" r:id="rId4"/>
+    <p:sldId id="260" r:id="rId5"/>
+    <p:sldId id="261" r:id="rId6"/>
+    <p:sldId id="258" r:id="rId7"/>
   </p:sldIdLst>
   <p:sldSz cx="12192000" cy="6858000"/>
   <p:notesSz cx="6858000" cy="9144000"/>
@@ -114,6 +117,89 @@
 </p:presentation>
 </file>
 
+<file path=ppt/revisionInfo.xml><?xml version="1.0" encoding="utf-8"?>
+<p1510:revInfo xmlns:a="http://schemas.openxmlformats.org/drawingml/2006/main" xmlns:r="http://schemas.openxmlformats.org/officeDocument/2006/relationships" xmlns:p1510="http://schemas.microsoft.com/office/powerpoint/2015/10/main">
+  <p1510:revLst>
+    <p1510:client id="{6AEC8878-2835-435D-B34A-5C62FBE05C76}" v="1" dt="2023-02-17T16:13:48.394"/>
+  </p1510:revLst>
+</p1510:revInfo>
+</file>
+
+<file path=ppt/changesInfos/changesInfo1.xml><?xml version="1.0" encoding="utf-8"?>
+<pc:chgInfo xmlns:a="http://schemas.openxmlformats.org/drawingml/2006/main" xmlns:r="http://schemas.openxmlformats.org/officeDocument/2006/relationships" xmlns:ac="http://schemas.microsoft.com/office/drawing/2013/main/command" xmlns:pc="http://schemas.microsoft.com/office/powerpoint/2013/main/command">
+  <pc:docChgLst>
+    <pc:chgData name="md.anderson03@gmail.com" userId="9775220ff73936ab" providerId="LiveId" clId="{6AEC8878-2835-435D-B34A-5C62FBE05C76}"/>
+    <pc:docChg chg="custSel addSld modSld">
+      <pc:chgData name="md.anderson03@gmail.com" userId="9775220ff73936ab" providerId="LiveId" clId="{6AEC8878-2835-435D-B34A-5C62FBE05C76}" dt="2023-02-17T16:56:16.430" v="907" actId="20577"/>
+      <pc:docMkLst>
+        <pc:docMk/>
+      </pc:docMkLst>
+      <pc:sldChg chg="addSp modSp new mod">
+        <pc:chgData name="md.anderson03@gmail.com" userId="9775220ff73936ab" providerId="LiveId" clId="{6AEC8878-2835-435D-B34A-5C62FBE05C76}" dt="2023-02-17T16:51:39.140" v="504" actId="20577"/>
+        <pc:sldMkLst>
+          <pc:docMk/>
+          <pc:sldMk cId="3550851789" sldId="259"/>
+        </pc:sldMkLst>
+        <pc:spChg chg="mod">
+          <ac:chgData name="md.anderson03@gmail.com" userId="9775220ff73936ab" providerId="LiveId" clId="{6AEC8878-2835-435D-B34A-5C62FBE05C76}" dt="2023-02-17T16:10:57.409" v="26" actId="20577"/>
+          <ac:spMkLst>
+            <pc:docMk/>
+            <pc:sldMk cId="3550851789" sldId="259"/>
+            <ac:spMk id="2" creationId="{D683D7AD-F00E-6D9E-DEF4-5F889325340C}"/>
+          </ac:spMkLst>
+        </pc:spChg>
+        <pc:spChg chg="mod">
+          <ac:chgData name="md.anderson03@gmail.com" userId="9775220ff73936ab" providerId="LiveId" clId="{6AEC8878-2835-435D-B34A-5C62FBE05C76}" dt="2023-02-17T16:13:43.342" v="77" actId="14100"/>
+          <ac:spMkLst>
+            <pc:docMk/>
+            <pc:sldMk cId="3550851789" sldId="259"/>
+            <ac:spMk id="3" creationId="{59C9E4A7-71DB-BF01-4670-D2DB27F4A672}"/>
+          </ac:spMkLst>
+        </pc:spChg>
+        <pc:spChg chg="add mod">
+          <ac:chgData name="md.anderson03@gmail.com" userId="9775220ff73936ab" providerId="LiveId" clId="{6AEC8878-2835-435D-B34A-5C62FBE05C76}" dt="2023-02-17T16:51:39.140" v="504" actId="20577"/>
+          <ac:spMkLst>
+            <pc:docMk/>
+            <pc:sldMk cId="3550851789" sldId="259"/>
+            <ac:spMk id="4" creationId="{B43D95BF-F938-C94F-77FC-01727B548220}"/>
+          </ac:spMkLst>
+        </pc:spChg>
+      </pc:sldChg>
+      <pc:sldChg chg="modSp new mod">
+        <pc:chgData name="md.anderson03@gmail.com" userId="9775220ff73936ab" providerId="LiveId" clId="{6AEC8878-2835-435D-B34A-5C62FBE05C76}" dt="2023-02-17T16:56:16.430" v="907" actId="20577"/>
+        <pc:sldMkLst>
+          <pc:docMk/>
+          <pc:sldMk cId="3737740182" sldId="260"/>
+        </pc:sldMkLst>
+        <pc:spChg chg="mod">
+          <ac:chgData name="md.anderson03@gmail.com" userId="9775220ff73936ab" providerId="LiveId" clId="{6AEC8878-2835-435D-B34A-5C62FBE05C76}" dt="2023-02-17T16:52:22.955" v="512" actId="20577"/>
+          <ac:spMkLst>
+            <pc:docMk/>
+            <pc:sldMk cId="3737740182" sldId="260"/>
+            <ac:spMk id="2" creationId="{15606BC5-8354-4AF2-C28B-583D71AB9E45}"/>
+          </ac:spMkLst>
+        </pc:spChg>
+        <pc:spChg chg="mod">
+          <ac:chgData name="md.anderson03@gmail.com" userId="9775220ff73936ab" providerId="LiveId" clId="{6AEC8878-2835-435D-B34A-5C62FBE05C76}" dt="2023-02-17T16:56:16.430" v="907" actId="20577"/>
+          <ac:spMkLst>
+            <pc:docMk/>
+            <pc:sldMk cId="3737740182" sldId="260"/>
+            <ac:spMk id="3" creationId="{4F1AD6D7-C1A7-A945-0BD9-451542DBBDA8}"/>
+          </ac:spMkLst>
+        </pc:spChg>
+      </pc:sldChg>
+      <pc:sldChg chg="new">
+        <pc:chgData name="md.anderson03@gmail.com" userId="9775220ff73936ab" providerId="LiveId" clId="{6AEC8878-2835-435D-B34A-5C62FBE05C76}" dt="2023-02-17T16:10:20.720" v="2" actId="680"/>
+        <pc:sldMkLst>
+          <pc:docMk/>
+          <pc:sldMk cId="976914895" sldId="261"/>
+        </pc:sldMkLst>
+      </pc:sldChg>
+    </pc:docChg>
+  </pc:docChgLst>
+</pc:chgInfo>
+</file>
+
 <file path=ppt/slideLayouts/slideLayout1.xml><?xml version="1.0" encoding="utf-8"?>
 <p:sldLayout xmlns:a="http://schemas.openxmlformats.org/drawingml/2006/main" xmlns:r="http://schemas.openxmlformats.org/officeDocument/2006/relationships" xmlns:p="http://schemas.openxmlformats.org/presentationml/2006/main" type="title" preserve="1">
   <p:cSld name="Title Slide">
@@ -261,7 +347,7 @@
           <a:p>
             <a:fld id="{46DE31A8-D47A-4725-99F5-70CB069164E5}" type="datetimeFigureOut">
               <a:rPr lang="en-US" smtClean="0"/>
-              <a:t>2/1/2023</a:t>
+              <a:t>2/17/2023</a:t>
             </a:fld>
             <a:endParaRPr lang="en-US"/>
           </a:p>
@@ -459,7 +545,7 @@
           <a:p>
             <a:fld id="{46DE31A8-D47A-4725-99F5-70CB069164E5}" type="datetimeFigureOut">
               <a:rPr lang="en-US" smtClean="0"/>
-              <a:t>2/1/2023</a:t>
+              <a:t>2/17/2023</a:t>
             </a:fld>
             <a:endParaRPr lang="en-US"/>
           </a:p>
@@ -667,7 +753,7 @@
           <a:p>
             <a:fld id="{46DE31A8-D47A-4725-99F5-70CB069164E5}" type="datetimeFigureOut">
               <a:rPr lang="en-US" smtClean="0"/>
-              <a:t>2/1/2023</a:t>
+              <a:t>2/17/2023</a:t>
             </a:fld>
             <a:endParaRPr lang="en-US"/>
           </a:p>
@@ -865,7 +951,7 @@
           <a:p>
             <a:fld id="{46DE31A8-D47A-4725-99F5-70CB069164E5}" type="datetimeFigureOut">
               <a:rPr lang="en-US" smtClean="0"/>
-              <a:t>2/1/2023</a:t>
+              <a:t>2/17/2023</a:t>
             </a:fld>
             <a:endParaRPr lang="en-US"/>
           </a:p>
@@ -1140,7 +1226,7 @@
           <a:p>
             <a:fld id="{46DE31A8-D47A-4725-99F5-70CB069164E5}" type="datetimeFigureOut">
               <a:rPr lang="en-US" smtClean="0"/>
-              <a:t>2/1/2023</a:t>
+              <a:t>2/17/2023</a:t>
             </a:fld>
             <a:endParaRPr lang="en-US"/>
           </a:p>
@@ -1405,7 +1491,7 @@
           <a:p>
             <a:fld id="{46DE31A8-D47A-4725-99F5-70CB069164E5}" type="datetimeFigureOut">
               <a:rPr lang="en-US" smtClean="0"/>
-              <a:t>2/1/2023</a:t>
+              <a:t>2/17/2023</a:t>
             </a:fld>
             <a:endParaRPr lang="en-US"/>
           </a:p>
@@ -1817,7 +1903,7 @@
           <a:p>
             <a:fld id="{46DE31A8-D47A-4725-99F5-70CB069164E5}" type="datetimeFigureOut">
               <a:rPr lang="en-US" smtClean="0"/>
-              <a:t>2/1/2023</a:t>
+              <a:t>2/17/2023</a:t>
             </a:fld>
             <a:endParaRPr lang="en-US"/>
           </a:p>
@@ -1958,7 +2044,7 @@
           <a:p>
             <a:fld id="{46DE31A8-D47A-4725-99F5-70CB069164E5}" type="datetimeFigureOut">
               <a:rPr lang="en-US" smtClean="0"/>
-              <a:t>2/1/2023</a:t>
+              <a:t>2/17/2023</a:t>
             </a:fld>
             <a:endParaRPr lang="en-US"/>
           </a:p>
@@ -2071,7 +2157,7 @@
           <a:p>
             <a:fld id="{46DE31A8-D47A-4725-99F5-70CB069164E5}" type="datetimeFigureOut">
               <a:rPr lang="en-US" smtClean="0"/>
-              <a:t>2/1/2023</a:t>
+              <a:t>2/17/2023</a:t>
             </a:fld>
             <a:endParaRPr lang="en-US"/>
           </a:p>
@@ -2382,7 +2468,7 @@
           <a:p>
             <a:fld id="{46DE31A8-D47A-4725-99F5-70CB069164E5}" type="datetimeFigureOut">
               <a:rPr lang="en-US" smtClean="0"/>
-              <a:t>2/1/2023</a:t>
+              <a:t>2/17/2023</a:t>
             </a:fld>
             <a:endParaRPr lang="en-US"/>
           </a:p>
@@ -2670,7 +2756,7 @@
           <a:p>
             <a:fld id="{46DE31A8-D47A-4725-99F5-70CB069164E5}" type="datetimeFigureOut">
               <a:rPr lang="en-US" smtClean="0"/>
-              <a:t>2/1/2023</a:t>
+              <a:t>2/17/2023</a:t>
             </a:fld>
             <a:endParaRPr lang="en-US"/>
           </a:p>
@@ -2911,7 +2997,7 @@
           <a:p>
             <a:fld id="{46DE31A8-D47A-4725-99F5-70CB069164E5}" type="datetimeFigureOut">
               <a:rPr lang="en-US" smtClean="0"/>
-              <a:t>2/1/2023</a:t>
+              <a:t>2/17/2023</a:t>
             </a:fld>
             <a:endParaRPr lang="en-US"/>
           </a:p>
@@ -3592,6 +3678,392 @@
           <p:cNvPr id="2" name="Title 1">
             <a:extLst>
               <a:ext uri="{FF2B5EF4-FFF2-40B4-BE49-F238E27FC236}">
+                <a16:creationId xmlns:a16="http://schemas.microsoft.com/office/drawing/2014/main" id="{D683D7AD-F00E-6D9E-DEF4-5F889325340C}"/>
+              </a:ext>
+            </a:extLst>
+          </p:cNvPr>
+          <p:cNvSpPr>
+            <a:spLocks noGrp="1"/>
+          </p:cNvSpPr>
+          <p:nvPr>
+            <p:ph type="title"/>
+          </p:nvPr>
+        </p:nvSpPr>
+        <p:spPr>
+          <a:xfrm>
+            <a:off x="838200" y="365126"/>
+            <a:ext cx="10515600" cy="797850"/>
+          </a:xfrm>
+        </p:spPr>
+        <p:txBody>
+          <a:bodyPr/>
+          <a:lstStyle/>
+          <a:p>
+            <a:r>
+              <a:rPr lang="en-US" dirty="0"/>
+              <a:t>Magnetic pressure plate</a:t>
+            </a:r>
+          </a:p>
+        </p:txBody>
+      </p:sp>
+      <p:sp>
+        <p:nvSpPr>
+          <p:cNvPr id="3" name="Content Placeholder 2">
+            <a:extLst>
+              <a:ext uri="{FF2B5EF4-FFF2-40B4-BE49-F238E27FC236}">
+                <a16:creationId xmlns:a16="http://schemas.microsoft.com/office/drawing/2014/main" id="{59C9E4A7-71DB-BF01-4670-D2DB27F4A672}"/>
+              </a:ext>
+            </a:extLst>
+          </p:cNvPr>
+          <p:cNvSpPr>
+            <a:spLocks noGrp="1"/>
+          </p:cNvSpPr>
+          <p:nvPr>
+            <p:ph idx="1"/>
+          </p:nvPr>
+        </p:nvSpPr>
+        <p:spPr>
+          <a:xfrm>
+            <a:off x="838200" y="1825624"/>
+            <a:ext cx="10515600" cy="797851"/>
+          </a:xfrm>
+        </p:spPr>
+        <p:txBody>
+          <a:bodyPr/>
+          <a:lstStyle/>
+          <a:p>
+            <a:r>
+              <a:rPr lang="en-US" dirty="0"/>
+              <a:t>Can it produce enough force to seal chamber?</a:t>
+            </a:r>
+          </a:p>
+          <a:p>
+            <a:endParaRPr lang="en-US" dirty="0"/>
+          </a:p>
+        </p:txBody>
+      </p:sp>
+      <p:sp>
+        <p:nvSpPr>
+          <p:cNvPr id="4" name="TextBox 3">
+            <a:extLst>
+              <a:ext uri="{FF2B5EF4-FFF2-40B4-BE49-F238E27FC236}">
+                <a16:creationId xmlns:a16="http://schemas.microsoft.com/office/drawing/2014/main" id="{B43D95BF-F938-C94F-77FC-01727B548220}"/>
+              </a:ext>
+            </a:extLst>
+          </p:cNvPr>
+          <p:cNvSpPr txBox="1"/>
+          <p:nvPr/>
+        </p:nvSpPr>
+        <p:spPr>
+          <a:xfrm>
+            <a:off x="949911" y="2831977"/>
+            <a:ext cx="10741980" cy="1200329"/>
+          </a:xfrm>
+          <a:prstGeom prst="rect">
+            <a:avLst/>
+          </a:prstGeom>
+          <a:noFill/>
+        </p:spPr>
+        <p:txBody>
+          <a:bodyPr wrap="square" rtlCol="0">
+            <a:spAutoFit/>
+          </a:bodyPr>
+          <a:lstStyle/>
+          <a:p>
+            <a:r>
+              <a:rPr lang="en-US" u="sng" dirty="0"/>
+              <a:t>Results</a:t>
+            </a:r>
+          </a:p>
+          <a:p>
+            <a:pPr marL="342900" indent="-342900">
+              <a:buAutoNum type="arabicPeriod"/>
+            </a:pPr>
+            <a:r>
+              <a:rPr lang="en-US" dirty="0"/>
+              <a:t>Using ¼ thick below and 1/8 in upper plate, not enough force</a:t>
+            </a:r>
+          </a:p>
+          <a:p>
+            <a:r>
+              <a:rPr lang="en-US" dirty="0"/>
+              <a:t>2. </a:t>
+            </a:r>
+            <a:r>
+              <a:rPr lang="en-US" dirty="0" err="1"/>
+              <a:t>slide+chamber</a:t>
+            </a:r>
+            <a:r>
+              <a:rPr lang="en-US" dirty="0"/>
+              <a:t> = 3.5mm thick, riser height = 2.2. Magnet resin gap = 1.3mm, magnet </a:t>
+            </a:r>
+            <a:r>
+              <a:rPr lang="en-US" dirty="0" err="1"/>
+              <a:t>magnet</a:t>
+            </a:r>
+            <a:r>
+              <a:rPr lang="en-US" dirty="0"/>
+              <a:t> gap =3.2mm</a:t>
+            </a:r>
+          </a:p>
+          <a:p>
+            <a:r>
+              <a:rPr lang="en-US" dirty="0"/>
+              <a:t>3. If mag-resin = 0.3 and net mag </a:t>
+            </a:r>
+            <a:r>
+              <a:rPr lang="en-US" dirty="0" err="1"/>
+              <a:t>mag</a:t>
+            </a:r>
+            <a:r>
+              <a:rPr lang="en-US" dirty="0"/>
+              <a:t> gap = 1.5mm, then mag force = 4.4 times higher</a:t>
+            </a:r>
+          </a:p>
+        </p:txBody>
+      </p:sp>
+    </p:spTree>
+    <p:extLst>
+      <p:ext uri="{BB962C8B-B14F-4D97-AF65-F5344CB8AC3E}">
+        <p14:creationId xmlns:p14="http://schemas.microsoft.com/office/powerpoint/2010/main" val="3550851789"/>
+      </p:ext>
+    </p:extLst>
+  </p:cSld>
+  <p:clrMapOvr>
+    <a:masterClrMapping/>
+  </p:clrMapOvr>
+</p:sld>
+</file>
+
+<file path=ppt/slides/slide4.xml><?xml version="1.0" encoding="utf-8"?>
+<p:sld xmlns:a="http://schemas.openxmlformats.org/drawingml/2006/main" xmlns:r="http://schemas.openxmlformats.org/officeDocument/2006/relationships" xmlns:p="http://schemas.openxmlformats.org/presentationml/2006/main">
+  <p:cSld>
+    <p:spTree>
+      <p:nvGrpSpPr>
+        <p:cNvPr id="1" name=""/>
+        <p:cNvGrpSpPr/>
+        <p:nvPr/>
+      </p:nvGrpSpPr>
+      <p:grpSpPr>
+        <a:xfrm>
+          <a:off x="0" y="0"/>
+          <a:ext cx="0" cy="0"/>
+          <a:chOff x="0" y="0"/>
+          <a:chExt cx="0" cy="0"/>
+        </a:xfrm>
+      </p:grpSpPr>
+      <p:sp>
+        <p:nvSpPr>
+          <p:cNvPr id="2" name="Title 1">
+            <a:extLst>
+              <a:ext uri="{FF2B5EF4-FFF2-40B4-BE49-F238E27FC236}">
+                <a16:creationId xmlns:a16="http://schemas.microsoft.com/office/drawing/2014/main" id="{15606BC5-8354-4AF2-C28B-583D71AB9E45}"/>
+              </a:ext>
+            </a:extLst>
+          </p:cNvPr>
+          <p:cNvSpPr>
+            <a:spLocks noGrp="1"/>
+          </p:cNvSpPr>
+          <p:nvPr>
+            <p:ph type="title"/>
+          </p:nvPr>
+        </p:nvSpPr>
+        <p:spPr/>
+        <p:txBody>
+          <a:bodyPr/>
+          <a:lstStyle/>
+          <a:p>
+            <a:r>
+              <a:rPr lang="en-US" dirty="0"/>
+              <a:t>Building</a:t>
+            </a:r>
+          </a:p>
+        </p:txBody>
+      </p:sp>
+      <p:sp>
+        <p:nvSpPr>
+          <p:cNvPr id="3" name="Content Placeholder 2">
+            <a:extLst>
+              <a:ext uri="{FF2B5EF4-FFF2-40B4-BE49-F238E27FC236}">
+                <a16:creationId xmlns:a16="http://schemas.microsoft.com/office/drawing/2014/main" id="{4F1AD6D7-C1A7-A945-0BD9-451542DBBDA8}"/>
+              </a:ext>
+            </a:extLst>
+          </p:cNvPr>
+          <p:cNvSpPr>
+            <a:spLocks noGrp="1"/>
+          </p:cNvSpPr>
+          <p:nvPr>
+            <p:ph idx="1"/>
+          </p:nvPr>
+        </p:nvSpPr>
+        <p:spPr/>
+        <p:txBody>
+          <a:bodyPr/>
+          <a:lstStyle/>
+          <a:p>
+            <a:r>
+              <a:rPr lang="en-US" dirty="0"/>
+              <a:t>Don’t install magnets for PP before potting epoxy added. </a:t>
+            </a:r>
+          </a:p>
+          <a:p>
+            <a:r>
+              <a:rPr lang="en-US" dirty="0"/>
+              <a:t>Add film of FEP tape over rows with magnets</a:t>
+            </a:r>
+          </a:p>
+          <a:p>
+            <a:r>
+              <a:rPr lang="en-US" dirty="0"/>
+              <a:t>Add epoxy and press with FEP plate</a:t>
+            </a:r>
+          </a:p>
+          <a:p>
+            <a:r>
+              <a:rPr lang="en-US" dirty="0"/>
+              <a:t>Clamp FEP plate and sit for 24hrs. </a:t>
+            </a:r>
+          </a:p>
+          <a:p>
+            <a:r>
+              <a:rPr lang="en-US" dirty="0"/>
+              <a:t>Remove plate and tape</a:t>
+            </a:r>
+          </a:p>
+          <a:p>
+            <a:r>
+              <a:rPr lang="en-US" dirty="0"/>
+              <a:t>Add in pp magnets and seal top with </a:t>
+            </a:r>
+            <a:r>
+              <a:rPr lang="en-US" dirty="0" err="1"/>
+              <a:t>plastiweld</a:t>
+            </a:r>
+            <a:r>
+              <a:rPr lang="en-US" dirty="0"/>
+              <a:t> and FEP film to form lid</a:t>
+            </a:r>
+          </a:p>
+          <a:p>
+            <a:endParaRPr lang="en-US" dirty="0"/>
+          </a:p>
+        </p:txBody>
+      </p:sp>
+    </p:spTree>
+    <p:extLst>
+      <p:ext uri="{BB962C8B-B14F-4D97-AF65-F5344CB8AC3E}">
+        <p14:creationId xmlns:p14="http://schemas.microsoft.com/office/powerpoint/2010/main" val="3737740182"/>
+      </p:ext>
+    </p:extLst>
+  </p:cSld>
+  <p:clrMapOvr>
+    <a:masterClrMapping/>
+  </p:clrMapOvr>
+</p:sld>
+</file>
+
+<file path=ppt/slides/slide5.xml><?xml version="1.0" encoding="utf-8"?>
+<p:sld xmlns:a="http://schemas.openxmlformats.org/drawingml/2006/main" xmlns:r="http://schemas.openxmlformats.org/officeDocument/2006/relationships" xmlns:p="http://schemas.openxmlformats.org/presentationml/2006/main">
+  <p:cSld>
+    <p:spTree>
+      <p:nvGrpSpPr>
+        <p:cNvPr id="1" name=""/>
+        <p:cNvGrpSpPr/>
+        <p:nvPr/>
+      </p:nvGrpSpPr>
+      <p:grpSpPr>
+        <a:xfrm>
+          <a:off x="0" y="0"/>
+          <a:ext cx="0" cy="0"/>
+          <a:chOff x="0" y="0"/>
+          <a:chExt cx="0" cy="0"/>
+        </a:xfrm>
+      </p:grpSpPr>
+      <p:sp>
+        <p:nvSpPr>
+          <p:cNvPr id="2" name="Title 1">
+            <a:extLst>
+              <a:ext uri="{FF2B5EF4-FFF2-40B4-BE49-F238E27FC236}">
+                <a16:creationId xmlns:a16="http://schemas.microsoft.com/office/drawing/2014/main" id="{D4BD223B-D848-22CE-B6BF-3C40B720F26E}"/>
+              </a:ext>
+            </a:extLst>
+          </p:cNvPr>
+          <p:cNvSpPr>
+            <a:spLocks noGrp="1"/>
+          </p:cNvSpPr>
+          <p:nvPr>
+            <p:ph type="title"/>
+          </p:nvPr>
+        </p:nvSpPr>
+        <p:spPr/>
+        <p:txBody>
+          <a:bodyPr/>
+          <a:lstStyle/>
+          <a:p>
+            <a:endParaRPr lang="en-US"/>
+          </a:p>
+        </p:txBody>
+      </p:sp>
+      <p:sp>
+        <p:nvSpPr>
+          <p:cNvPr id="3" name="Content Placeholder 2">
+            <a:extLst>
+              <a:ext uri="{FF2B5EF4-FFF2-40B4-BE49-F238E27FC236}">
+                <a16:creationId xmlns:a16="http://schemas.microsoft.com/office/drawing/2014/main" id="{FC604918-B898-EEC3-5FFB-C499ABABA041}"/>
+              </a:ext>
+            </a:extLst>
+          </p:cNvPr>
+          <p:cNvSpPr>
+            <a:spLocks noGrp="1"/>
+          </p:cNvSpPr>
+          <p:nvPr>
+            <p:ph idx="1"/>
+          </p:nvPr>
+        </p:nvSpPr>
+        <p:spPr/>
+        <p:txBody>
+          <a:bodyPr/>
+          <a:lstStyle/>
+          <a:p>
+            <a:endParaRPr lang="en-US"/>
+          </a:p>
+        </p:txBody>
+      </p:sp>
+    </p:spTree>
+    <p:extLst>
+      <p:ext uri="{BB962C8B-B14F-4D97-AF65-F5344CB8AC3E}">
+        <p14:creationId xmlns:p14="http://schemas.microsoft.com/office/powerpoint/2010/main" val="976914895"/>
+      </p:ext>
+    </p:extLst>
+  </p:cSld>
+  <p:clrMapOvr>
+    <a:masterClrMapping/>
+  </p:clrMapOvr>
+</p:sld>
+</file>
+
+<file path=ppt/slides/slide6.xml><?xml version="1.0" encoding="utf-8"?>
+<p:sld xmlns:a="http://schemas.openxmlformats.org/drawingml/2006/main" xmlns:r="http://schemas.openxmlformats.org/officeDocument/2006/relationships" xmlns:p="http://schemas.openxmlformats.org/presentationml/2006/main">
+  <p:cSld>
+    <p:spTree>
+      <p:nvGrpSpPr>
+        <p:cNvPr id="1" name=""/>
+        <p:cNvGrpSpPr/>
+        <p:nvPr/>
+      </p:nvGrpSpPr>
+      <p:grpSpPr>
+        <a:xfrm>
+          <a:off x="0" y="0"/>
+          <a:ext cx="0" cy="0"/>
+          <a:chOff x="0" y="0"/>
+          <a:chExt cx="0" cy="0"/>
+        </a:xfrm>
+      </p:grpSpPr>
+      <p:sp>
+        <p:nvSpPr>
+          <p:cNvPr id="2" name="Title 1">
+            <a:extLst>
+              <a:ext uri="{FF2B5EF4-FFF2-40B4-BE49-F238E27FC236}">
                 <a16:creationId xmlns:a16="http://schemas.microsoft.com/office/drawing/2014/main" id="{BA75C18B-5BFF-4FC8-1A2E-02312903AB8C}"/>
               </a:ext>
             </a:extLst>
